--- a/Documentation/poster/poster.pptx
+++ b/Documentation/poster/poster.pptx
@@ -219,7 +219,7 @@
             <a:fld id="{D9D26CB9-01E4-44B8-8084-BCC418CF4A2D}" type="datetimeFigureOut">
               <a:rPr lang="en-US" smtClean="0"/>
               <a:pPr/>
-              <a:t>5/22/2014</a:t>
+              <a:t>5/25/2014</a:t>
             </a:fld>
             <a:endParaRPr lang="en-US"/>
           </a:p>
@@ -447,7 +447,7 @@
             <a:fld id="{D9D26CB9-01E4-44B8-8084-BCC418CF4A2D}" type="datetimeFigureOut">
               <a:rPr lang="en-US" smtClean="0"/>
               <a:pPr/>
-              <a:t>5/22/2014</a:t>
+              <a:t>5/25/2014</a:t>
             </a:fld>
             <a:endParaRPr lang="en-US"/>
           </a:p>
@@ -624,7 +624,7 @@
             <a:fld id="{D9D26CB9-01E4-44B8-8084-BCC418CF4A2D}" type="datetimeFigureOut">
               <a:rPr lang="en-US" smtClean="0"/>
               <a:pPr/>
-              <a:t>5/22/2014</a:t>
+              <a:t>5/25/2014</a:t>
             </a:fld>
             <a:endParaRPr lang="en-US"/>
           </a:p>
@@ -791,7 +791,7 @@
             <a:fld id="{D9D26CB9-01E4-44B8-8084-BCC418CF4A2D}" type="datetimeFigureOut">
               <a:rPr lang="en-US" smtClean="0"/>
               <a:pPr/>
-              <a:t>5/22/2014</a:t>
+              <a:t>5/25/2014</a:t>
             </a:fld>
             <a:endParaRPr lang="en-US"/>
           </a:p>
@@ -1032,7 +1032,7 @@
             <a:fld id="{D9D26CB9-01E4-44B8-8084-BCC418CF4A2D}" type="datetimeFigureOut">
               <a:rPr lang="en-US" smtClean="0"/>
               <a:pPr/>
-              <a:t>5/22/2014</a:t>
+              <a:t>5/25/2014</a:t>
             </a:fld>
             <a:endParaRPr lang="en-US"/>
           </a:p>
@@ -1298,7 +1298,7 @@
             <a:fld id="{D9D26CB9-01E4-44B8-8084-BCC418CF4A2D}" type="datetimeFigureOut">
               <a:rPr lang="en-US" smtClean="0"/>
               <a:pPr/>
-              <a:t>5/22/2014</a:t>
+              <a:t>5/25/2014</a:t>
             </a:fld>
             <a:endParaRPr lang="en-US"/>
           </a:p>
@@ -1674,7 +1674,7 @@
             <a:fld id="{D9D26CB9-01E4-44B8-8084-BCC418CF4A2D}" type="datetimeFigureOut">
               <a:rPr lang="en-US" smtClean="0"/>
               <a:pPr/>
-              <a:t>5/22/2014</a:t>
+              <a:t>5/25/2014</a:t>
             </a:fld>
             <a:endParaRPr lang="en-US"/>
           </a:p>
@@ -1789,7 +1789,7 @@
             <a:fld id="{D9D26CB9-01E4-44B8-8084-BCC418CF4A2D}" type="datetimeFigureOut">
               <a:rPr lang="en-US" smtClean="0"/>
               <a:pPr/>
-              <a:t>5/22/2014</a:t>
+              <a:t>5/25/2014</a:t>
             </a:fld>
             <a:endParaRPr lang="en-US"/>
           </a:p>
@@ -1881,7 +1881,7 @@
             <a:fld id="{D9D26CB9-01E4-44B8-8084-BCC418CF4A2D}" type="datetimeFigureOut">
               <a:rPr lang="en-US" smtClean="0"/>
               <a:pPr/>
-              <a:t>5/22/2014</a:t>
+              <a:t>5/25/2014</a:t>
             </a:fld>
             <a:endParaRPr lang="en-US"/>
           </a:p>
@@ -2141,7 +2141,7 @@
             <a:fld id="{D9D26CB9-01E4-44B8-8084-BCC418CF4A2D}" type="datetimeFigureOut">
               <a:rPr lang="en-US" smtClean="0"/>
               <a:pPr/>
-              <a:t>5/22/2014</a:t>
+              <a:t>5/25/2014</a:t>
             </a:fld>
             <a:endParaRPr lang="en-US"/>
           </a:p>
@@ -2407,7 +2407,7 @@
             <a:fld id="{D9D26CB9-01E4-44B8-8084-BCC418CF4A2D}" type="datetimeFigureOut">
               <a:rPr lang="en-US" smtClean="0"/>
               <a:pPr/>
-              <a:t>5/22/2014</a:t>
+              <a:t>5/25/2014</a:t>
             </a:fld>
             <a:endParaRPr lang="en-US"/>
           </a:p>
@@ -2626,7 +2626,7 @@
             <a:fld id="{D9D26CB9-01E4-44B8-8084-BCC418CF4A2D}" type="datetimeFigureOut">
               <a:rPr lang="en-US" smtClean="0"/>
               <a:pPr/>
-              <a:t>5/22/2014</a:t>
+              <a:t>5/25/2014</a:t>
             </a:fld>
             <a:endParaRPr lang="en-US"/>
           </a:p>
@@ -3059,6 +3059,62 @@
       </p:grpSpPr>
       <p:sp>
         <p:nvSpPr>
+          <p:cNvPr id="53" name="Rounded Rectangle 52"/>
+          <p:cNvSpPr/>
+          <p:nvPr/>
+        </p:nvSpPr>
+        <p:spPr>
+          <a:xfrm>
+            <a:off x="29718000" y="23049560"/>
+            <a:ext cx="13258800" cy="8950672"/>
+          </a:xfrm>
+          <a:prstGeom prst="roundRect">
+            <a:avLst>
+              <a:gd name="adj" fmla="val 5170"/>
+            </a:avLst>
+          </a:prstGeom>
+          <a:solidFill>
+            <a:srgbClr val="E3F39F"/>
+          </a:solidFill>
+          <a:ln w="76200" cap="sq">
+            <a:solidFill>
+              <a:srgbClr val="6A7F10"/>
+            </a:solidFill>
+            <a:miter lim="800000"/>
+          </a:ln>
+          <a:effectLst/>
+        </p:spPr>
+        <p:style>
+          <a:lnRef idx="2">
+            <a:schemeClr val="accent1">
+              <a:shade val="50000"/>
+            </a:schemeClr>
+          </a:lnRef>
+          <a:fillRef idx="1">
+            <a:schemeClr val="accent1"/>
+          </a:fillRef>
+          <a:effectRef idx="0">
+            <a:schemeClr val="accent1"/>
+          </a:effectRef>
+          <a:fontRef idx="minor">
+            <a:schemeClr val="lt1"/>
+          </a:fontRef>
+        </p:style>
+        <p:txBody>
+          <a:bodyPr lIns="457200" rIns="457200" rtlCol="0" anchor="ctr"/>
+          <a:lstStyle/>
+          <a:p>
+            <a:endParaRPr lang="en-US" sz="3600" dirty="0" smtClean="0">
+              <a:solidFill>
+                <a:schemeClr val="tx1"/>
+              </a:solidFill>
+              <a:latin typeface="Calibri" panose="020F0502020204030204" pitchFamily="34" charset="0"/>
+            </a:endParaRPr>
+          </a:p>
+        </p:txBody>
+      </p:sp>
+      <p:sp>
+        <p:nvSpPr>
           <p:cNvPr id="109" name="Rounded Rectangle 108"/>
           <p:cNvSpPr/>
           <p:nvPr/>
@@ -3464,7 +3520,7 @@
         </p:blipFill>
         <p:spPr>
           <a:xfrm>
-            <a:off x="39378278" y="30464763"/>
+            <a:off x="25150007" y="30994395"/>
             <a:ext cx="3598522" cy="1005837"/>
           </a:xfrm>
           <a:prstGeom prst="rect">
@@ -3586,15 +3642,7 @@
               <a:miter lim="800000"/>
             </a:ln>
             <a:effectLst/>
-            <a:extLst>
-              <a:ext uri="{909E8E84-426E-40DD-AFC4-6F175D3DCCD1}">
-                <a14:hiddenFill xmlns:a14="http://schemas.microsoft.com/office/drawing/2010/main">
-                  <a:solidFill>
-                    <a:srgbClr val="FFFFFF"/>
-                  </a:solidFill>
-                </a14:hiddenFill>
-              </a:ext>
-            </a:extLst>
+            <a:extLst/>
           </p:spPr>
           <p:style>
             <a:lnRef idx="2">
@@ -3668,15 +3716,7 @@
               <a:miter lim="800000"/>
             </a:ln>
             <a:effectLst/>
-            <a:extLst>
-              <a:ext uri="{909E8E84-426E-40DD-AFC4-6F175D3DCCD1}">
-                <a14:hiddenFill xmlns:a14="http://schemas.microsoft.com/office/drawing/2010/main">
-                  <a:solidFill>
-                    <a:srgbClr val="FFFFFF"/>
-                  </a:solidFill>
-                </a14:hiddenFill>
-              </a:ext>
-            </a:extLst>
+            <a:extLst/>
           </p:spPr>
           <p:style>
             <a:lnRef idx="2">
@@ -3758,15 +3798,7 @@
               <a:miter lim="800000"/>
             </a:ln>
             <a:effectLst/>
-            <a:extLst>
-              <a:ext uri="{909E8E84-426E-40DD-AFC4-6F175D3DCCD1}">
-                <a14:hiddenFill xmlns:a14="http://schemas.microsoft.com/office/drawing/2010/main">
-                  <a:solidFill>
-                    <a:srgbClr val="FFFFFF"/>
-                  </a:solidFill>
-                </a14:hiddenFill>
-              </a:ext>
-            </a:extLst>
+            <a:extLst/>
           </p:spPr>
         </p:pic>
         <p:sp>
@@ -3793,15 +3825,7 @@
               <a:miter lim="800000"/>
             </a:ln>
             <a:effectLst/>
-            <a:extLst>
-              <a:ext uri="{909E8E84-426E-40DD-AFC4-6F175D3DCCD1}">
-                <a14:hiddenFill xmlns:a14="http://schemas.microsoft.com/office/drawing/2010/main">
-                  <a:solidFill>
-                    <a:srgbClr val="FFFFFF"/>
-                  </a:solidFill>
-                </a14:hiddenFill>
-              </a:ext>
-            </a:extLst>
+            <a:extLst/>
           </p:spPr>
           <p:style>
             <a:lnRef idx="2">
@@ -3877,15 +3901,7 @@
               <a:miter lim="800000"/>
             </a:ln>
             <a:effectLst/>
-            <a:extLst>
-              <a:ext uri="{909E8E84-426E-40DD-AFC4-6F175D3DCCD1}">
-                <a14:hiddenFill xmlns:a14="http://schemas.microsoft.com/office/drawing/2010/main">
-                  <a:solidFill>
-                    <a:srgbClr val="FFFFFF"/>
-                  </a:solidFill>
-                </a14:hiddenFill>
-              </a:ext>
-            </a:extLst>
+            <a:extLst/>
           </p:spPr>
         </p:pic>
         <p:sp>
@@ -3912,15 +3928,7 @@
               <a:miter lim="800000"/>
             </a:ln>
             <a:effectLst/>
-            <a:extLst>
-              <a:ext uri="{909E8E84-426E-40DD-AFC4-6F175D3DCCD1}">
-                <a14:hiddenFill xmlns:a14="http://schemas.microsoft.com/office/drawing/2010/main">
-                  <a:solidFill>
-                    <a:srgbClr val="FFFFFF"/>
-                  </a:solidFill>
-                </a14:hiddenFill>
-              </a:ext>
-            </a:extLst>
+            <a:extLst/>
           </p:spPr>
           <p:style>
             <a:lnRef idx="2">
@@ -3997,12 +4005,6 @@
                 </a:rPr>
                 <a:t>left too much room for human error. </a:t>
               </a:r>
-              <a:endParaRPr lang="en-US" sz="3600" dirty="0">
-                <a:solidFill>
-                  <a:schemeClr val="tx1"/>
-                </a:solidFill>
-                <a:latin typeface="Calibri" panose="020F0502020204030204" pitchFamily="34" charset="0"/>
-              </a:endParaRPr>
             </a:p>
           </p:txBody>
         </p:sp>
@@ -4114,10 +4116,12 @@
         <p:spPr>
           <a:xfrm>
             <a:off x="914400" y="25782312"/>
-            <a:ext cx="13258800" cy="5688288"/>
+            <a:ext cx="13258800" cy="6217920"/>
           </a:xfrm>
           <a:prstGeom prst="roundRect">
-            <a:avLst/>
+            <a:avLst>
+              <a:gd name="adj" fmla="val 9102"/>
+            </a:avLst>
           </a:prstGeom>
           <a:solidFill>
             <a:srgbClr val="E3F39F"/>
@@ -4234,7 +4238,7 @@
         </p:nvSpPr>
         <p:spPr>
           <a:xfrm>
-            <a:off x="29718000" y="13888054"/>
+            <a:off x="29718000" y="5724144"/>
             <a:ext cx="13258800" cy="1123346"/>
           </a:xfrm>
           <a:prstGeom prst="rect">
@@ -5235,8 +5239,8 @@
         </p:nvSpPr>
         <p:spPr>
           <a:xfrm>
-            <a:off x="29718001" y="15011400"/>
-            <a:ext cx="13258800" cy="15163800"/>
+            <a:off x="29718001" y="6858000"/>
+            <a:ext cx="13258800" cy="14806833"/>
           </a:xfrm>
           <a:prstGeom prst="roundRect">
             <a:avLst>
@@ -5292,7 +5296,7 @@
         </p:nvGrpSpPr>
         <p:grpSpPr>
           <a:xfrm>
-            <a:off x="30157487" y="15520573"/>
+            <a:off x="30061374" y="7189155"/>
             <a:ext cx="12282579" cy="14041678"/>
             <a:chOff x="31038078" y="16476084"/>
             <a:chExt cx="11507043" cy="14041678"/>
@@ -5322,15 +5326,7 @@
               <a:miter lim="800000"/>
             </a:ln>
             <a:effectLst/>
-            <a:extLst>
-              <a:ext uri="{909E8E84-426E-40DD-AFC4-6F175D3DCCD1}">
-                <a14:hiddenFill xmlns:a14="http://schemas.microsoft.com/office/drawing/2010/main">
-                  <a:solidFill>
-                    <a:srgbClr val="FFFFFF"/>
-                  </a:solidFill>
-                </a14:hiddenFill>
-              </a:ext>
-            </a:extLst>
+            <a:extLst/>
           </p:spPr>
           <p:style>
             <a:lnRef idx="2">
@@ -5395,15 +5391,7 @@
               <a:miter lim="800000"/>
             </a:ln>
             <a:effectLst/>
-            <a:extLst>
-              <a:ext uri="{909E8E84-426E-40DD-AFC4-6F175D3DCCD1}">
-                <a14:hiddenFill xmlns:a14="http://schemas.microsoft.com/office/drawing/2010/main">
-                  <a:solidFill>
-                    <a:srgbClr val="FFFFFF"/>
-                  </a:solidFill>
-                </a14:hiddenFill>
-              </a:ext>
-            </a:extLst>
+            <a:extLst/>
           </p:spPr>
           <p:style>
             <a:lnRef idx="2">
@@ -5489,15 +5477,7 @@
               <a:miter lim="800000"/>
             </a:ln>
             <a:effectLst/>
-            <a:extLst>
-              <a:ext uri="{909E8E84-426E-40DD-AFC4-6F175D3DCCD1}">
-                <a14:hiddenFill xmlns:a14="http://schemas.microsoft.com/office/drawing/2010/main">
-                  <a:solidFill>
-                    <a:srgbClr val="FFFFFF"/>
-                  </a:solidFill>
-                </a14:hiddenFill>
-              </a:ext>
-            </a:extLst>
+            <a:extLst/>
           </p:spPr>
           <p:style>
             <a:lnRef idx="2">
@@ -5673,15 +5653,7 @@
               <a:miter lim="800000"/>
             </a:ln>
             <a:effectLst/>
-            <a:extLst>
-              <a:ext uri="{909E8E84-426E-40DD-AFC4-6F175D3DCCD1}">
-                <a14:hiddenFill xmlns:a14="http://schemas.microsoft.com/office/drawing/2010/main">
-                  <a:solidFill>
-                    <a:srgbClr val="FFFFFF"/>
-                  </a:solidFill>
-                </a14:hiddenFill>
-              </a:ext>
-            </a:extLst>
+            <a:extLst/>
           </p:spPr>
           <p:style>
             <a:lnRef idx="2">
@@ -5816,7 +5788,7 @@
           </p:nvCxnSpPr>
           <p:spPr>
             <a:xfrm>
-              <a:off x="36775004" y="26192343"/>
+              <a:off x="36820557" y="25235981"/>
               <a:ext cx="1056380" cy="1"/>
             </a:xfrm>
             <a:prstGeom prst="straightConnector1">
@@ -5842,6 +5814,77 @@
           </p:style>
         </p:cxnSp>
       </p:grpSp>
+      <p:sp>
+        <p:nvSpPr>
+          <p:cNvPr id="54" name="TextBox 53"/>
+          <p:cNvSpPr txBox="1"/>
+          <p:nvPr/>
+        </p:nvSpPr>
+        <p:spPr>
+          <a:xfrm>
+            <a:off x="29718000" y="21849481"/>
+            <a:ext cx="13258800" cy="1123346"/>
+          </a:xfrm>
+          <a:prstGeom prst="rect">
+            <a:avLst/>
+          </a:prstGeom>
+          <a:noFill/>
+        </p:spPr>
+        <p:txBody>
+          <a:bodyPr wrap="square" lIns="91411" tIns="45701" rIns="91411" bIns="45701" rtlCol="0">
+            <a:spAutoFit/>
+          </a:bodyPr>
+          <a:lstStyle/>
+          <a:p>
+            <a:pPr algn="ctr"/>
+            <a:r>
+              <a:rPr lang="en-US" sz="6700" b="1" dirty="0" smtClean="0">
+                <a:solidFill>
+                  <a:srgbClr val="6A7F10"/>
+                </a:solidFill>
+                <a:latin typeface="Calibri" panose="020F0502020204030204" pitchFamily="34" charset="0"/>
+              </a:rPr>
+              <a:t>SYSTEM LEVEL BLOCK DIAGRAM</a:t>
+            </a:r>
+            <a:endParaRPr lang="en-US" sz="6700" b="1" dirty="0">
+              <a:solidFill>
+                <a:srgbClr val="6A7F10"/>
+              </a:solidFill>
+              <a:latin typeface="Calibri" panose="020F0502020204030204" pitchFamily="34" charset="0"/>
+            </a:endParaRPr>
+          </a:p>
+        </p:txBody>
+      </p:sp>
+      <p:pic>
+        <p:nvPicPr>
+          <p:cNvPr id="55" name="Picture 54"/>
+          <p:cNvPicPr>
+            <a:picLocks noChangeAspect="1"/>
+          </p:cNvPicPr>
+          <p:nvPr/>
+        </p:nvPicPr>
+        <p:blipFill>
+          <a:blip r:embed="rId13">
+            <a:extLst>
+              <a:ext uri="{28A0092B-C50C-407E-A947-70E740481C1C}">
+                <a14:useLocalDpi xmlns:a14="http://schemas.microsoft.com/office/drawing/2010/main" val="0"/>
+              </a:ext>
+            </a:extLst>
+          </a:blip>
+          <a:stretch>
+            <a:fillRect/>
+          </a:stretch>
+        </p:blipFill>
+        <p:spPr>
+          <a:xfrm>
+            <a:off x="30275785" y="23371605"/>
+            <a:ext cx="12143232" cy="8433572"/>
+          </a:xfrm>
+          <a:prstGeom prst="rect">
+            <a:avLst/>
+          </a:prstGeom>
+        </p:spPr>
+      </p:pic>
     </p:spTree>
   </p:cSld>
   <p:clrMapOvr>
